--- a/9_deep_learning/2_1_RNN, LSTM and GRU.pptx
+++ b/9_deep_learning/2_1_RNN, LSTM and GRU.pptx
@@ -250,7 +250,7 @@
           <a:p>
             <a:fld id="{C452ADB1-275D-430A-89EE-5C7E6CFF6FF2}" type="datetimeFigureOut">
               <a:rPr lang="en-US" smtClean="0"/>
-              <a:t>2/8/2025</a:t>
+              <a:t>10/17/2025</a:t>
             </a:fld>
             <a:endParaRPr lang="en-US" dirty="0"/>
           </a:p>
@@ -648,7 +648,7 @@
           <a:p>
             <a:fld id="{7005E26E-BCB2-4FD5-8FD5-81A5EAE94C21}" type="datetime1">
               <a:rPr lang="en-US" smtClean="0"/>
-              <a:t>2/8/2025</a:t>
+              <a:t>10/17/2025</a:t>
             </a:fld>
             <a:endParaRPr lang="en-US" dirty="0"/>
           </a:p>
@@ -818,7 +818,7 @@
           <a:p>
             <a:fld id="{9CC2E9B8-0487-42E4-B571-744A3D775783}" type="datetime1">
               <a:rPr lang="en-US" smtClean="0"/>
-              <a:t>2/8/2025</a:t>
+              <a:t>10/17/2025</a:t>
             </a:fld>
             <a:endParaRPr lang="en-US" dirty="0"/>
           </a:p>
@@ -998,7 +998,7 @@
           <a:p>
             <a:fld id="{9052E32D-1E84-43FD-8158-FFFE757EB0E8}" type="datetime1">
               <a:rPr lang="en-US" smtClean="0"/>
-              <a:t>2/8/2025</a:t>
+              <a:t>10/17/2025</a:t>
             </a:fld>
             <a:endParaRPr lang="en-US" dirty="0"/>
           </a:p>
@@ -1168,7 +1168,7 @@
           <a:p>
             <a:fld id="{8585C470-CD19-455C-B830-6D252EAD7FE5}" type="datetime1">
               <a:rPr lang="en-US" smtClean="0"/>
-              <a:t>2/8/2025</a:t>
+              <a:t>10/17/2025</a:t>
             </a:fld>
             <a:endParaRPr lang="en-US" dirty="0"/>
           </a:p>
@@ -1414,7 +1414,7 @@
           <a:p>
             <a:fld id="{7F85C43C-50D9-4F49-A136-0EFF292F93ED}" type="datetime1">
               <a:rPr lang="en-US" smtClean="0"/>
-              <a:t>2/8/2025</a:t>
+              <a:t>10/17/2025</a:t>
             </a:fld>
             <a:endParaRPr lang="en-US" dirty="0"/>
           </a:p>
@@ -1646,7 +1646,7 @@
           <a:p>
             <a:fld id="{7B53B1A3-0AEF-4064-A724-D27D660C8653}" type="datetime1">
               <a:rPr lang="en-US" smtClean="0"/>
-              <a:t>2/8/2025</a:t>
+              <a:t>10/17/2025</a:t>
             </a:fld>
             <a:endParaRPr lang="en-US" dirty="0"/>
           </a:p>
@@ -2013,7 +2013,7 @@
           <a:p>
             <a:fld id="{37D5D0F2-BF66-4A24-9384-A0129B196518}" type="datetime1">
               <a:rPr lang="en-US" smtClean="0"/>
-              <a:t>2/8/2025</a:t>
+              <a:t>10/17/2025</a:t>
             </a:fld>
             <a:endParaRPr lang="en-US" dirty="0"/>
           </a:p>
@@ -2131,7 +2131,7 @@
           <a:p>
             <a:fld id="{8C318A6C-4F6B-48D2-BDB0-D7413B3FDB0A}" type="datetime1">
               <a:rPr lang="en-US" smtClean="0"/>
-              <a:t>2/8/2025</a:t>
+              <a:t>10/17/2025</a:t>
             </a:fld>
             <a:endParaRPr lang="en-US" dirty="0"/>
           </a:p>
@@ -2226,7 +2226,7 @@
           <a:p>
             <a:fld id="{BF01ECED-6ECE-4989-B917-9D4D7E6D3C76}" type="datetime1">
               <a:rPr lang="en-US" smtClean="0"/>
-              <a:t>2/8/2025</a:t>
+              <a:t>10/17/2025</a:t>
             </a:fld>
             <a:endParaRPr lang="en-US" dirty="0"/>
           </a:p>
@@ -2503,7 +2503,7 @@
           <a:p>
             <a:fld id="{E3B570E1-CB40-488E-8C6F-EF4211DFFCB0}" type="datetime1">
               <a:rPr lang="en-US" smtClean="0"/>
-              <a:t>2/8/2025</a:t>
+              <a:t>10/17/2025</a:t>
             </a:fld>
             <a:endParaRPr lang="en-US" dirty="0"/>
           </a:p>
@@ -2756,7 +2756,7 @@
           <a:p>
             <a:fld id="{D1CEB6AF-9F5C-43BE-879E-CB9514111250}" type="datetime1">
               <a:rPr lang="en-US" smtClean="0"/>
-              <a:t>2/8/2025</a:t>
+              <a:t>10/17/2025</a:t>
             </a:fld>
             <a:endParaRPr lang="en-US" dirty="0"/>
           </a:p>
@@ -2969,7 +2969,7 @@
           <a:p>
             <a:fld id="{E7EE424C-FCA3-4EDD-B274-8E055D649B7D}" type="datetime1">
               <a:rPr lang="en-US" smtClean="0"/>
-              <a:t>2/8/2025</a:t>
+              <a:t>10/17/2025</a:t>
             </a:fld>
             <a:endParaRPr lang="en-US" dirty="0"/>
           </a:p>
@@ -3399,25 +3399,6 @@
           </a:p>
         </p:txBody>
       </p:sp>
-      <p:sp>
-        <p:nvSpPr>
-          <p:cNvPr id="4" name="Subtitle 3"/>
-          <p:cNvSpPr>
-            <a:spLocks noGrp="1"/>
-          </p:cNvSpPr>
-          <p:nvPr>
-            <p:ph type="subTitle" idx="1"/>
-          </p:nvPr>
-        </p:nvSpPr>
-        <p:spPr/>
-        <p:txBody>
-          <a:bodyPr/>
-          <a:lstStyle/>
-          <a:p>
-            <a:endParaRPr lang="en-US"/>
-          </a:p>
-        </p:txBody>
-      </p:sp>
     </p:spTree>
     <p:extLst>
       <p:ext uri="{BB962C8B-B14F-4D97-AF65-F5344CB8AC3E}">
@@ -3598,7 +3579,7 @@
           <p:cNvPr id="4" name="מציין מיקום תוכן 4">
             <a:extLst>
               <a:ext uri="{FF2B5EF4-FFF2-40B4-BE49-F238E27FC236}">
-                <a16:creationId xmlns:a16="http://schemas.microsoft.com/office/drawing/2014/main" xmlns="" id="{32182FF6-1E64-4B22-9D8E-D8F3353BF002}"/>
+                <a16:creationId xmlns="" xmlns:a16="http://schemas.microsoft.com/office/drawing/2014/main" id="{32182FF6-1E64-4B22-9D8E-D8F3353BF002}"/>
               </a:ext>
             </a:extLst>
           </p:cNvPr>
@@ -3634,7 +3615,7 @@
           <p:cNvPr id="5" name="TextBox 6">
             <a:extLst>
               <a:ext uri="{FF2B5EF4-FFF2-40B4-BE49-F238E27FC236}">
-                <a16:creationId xmlns:a16="http://schemas.microsoft.com/office/drawing/2014/main" xmlns="" id="{73EFD14C-4DC4-4099-B5B3-D45E93E4DB0F}"/>
+                <a16:creationId xmlns="" xmlns:a16="http://schemas.microsoft.com/office/drawing/2014/main" id="{73EFD14C-4DC4-4099-B5B3-D45E93E4DB0F}"/>
               </a:ext>
             </a:extLst>
           </p:cNvPr>
@@ -3764,7 +3745,7 @@
           <p:cNvPr id="6" name="TextBox 7">
             <a:extLst>
               <a:ext uri="{FF2B5EF4-FFF2-40B4-BE49-F238E27FC236}">
-                <a16:creationId xmlns:a16="http://schemas.microsoft.com/office/drawing/2014/main" xmlns="" id="{B5FDBAA0-EF27-48E7-920B-D4983A1BF81E}"/>
+                <a16:creationId xmlns="" xmlns:a16="http://schemas.microsoft.com/office/drawing/2014/main" id="{B5FDBAA0-EF27-48E7-920B-D4983A1BF81E}"/>
               </a:ext>
             </a:extLst>
           </p:cNvPr>
@@ -3894,7 +3875,7 @@
           <p:cNvPr id="7" name="TextBox 8">
             <a:extLst>
               <a:ext uri="{FF2B5EF4-FFF2-40B4-BE49-F238E27FC236}">
-                <a16:creationId xmlns:a16="http://schemas.microsoft.com/office/drawing/2014/main" xmlns="" id="{E70A7FC5-CCAC-49DE-ADF9-CC067450ECF5}"/>
+                <a16:creationId xmlns="" xmlns:a16="http://schemas.microsoft.com/office/drawing/2014/main" id="{E70A7FC5-CCAC-49DE-ADF9-CC067450ECF5}"/>
               </a:ext>
             </a:extLst>
           </p:cNvPr>
@@ -4024,7 +4005,7 @@
           <p:cNvPr id="8" name="TextBox 9">
             <a:extLst>
               <a:ext uri="{FF2B5EF4-FFF2-40B4-BE49-F238E27FC236}">
-                <a16:creationId xmlns:a16="http://schemas.microsoft.com/office/drawing/2014/main" xmlns="" id="{A3AEF6C1-B32D-47B6-90AA-C46530406E62}"/>
+                <a16:creationId xmlns="" xmlns:a16="http://schemas.microsoft.com/office/drawing/2014/main" id="{A3AEF6C1-B32D-47B6-90AA-C46530406E62}"/>
               </a:ext>
             </a:extLst>
           </p:cNvPr>
@@ -4154,7 +4135,7 @@
           <p:cNvPr id="9" name="TextBox 10">
             <a:extLst>
               <a:ext uri="{FF2B5EF4-FFF2-40B4-BE49-F238E27FC236}">
-                <a16:creationId xmlns:a16="http://schemas.microsoft.com/office/drawing/2014/main" xmlns="" id="{6E2274A4-153E-4992-BF87-268DF446F69C}"/>
+                <a16:creationId xmlns="" xmlns:a16="http://schemas.microsoft.com/office/drawing/2014/main" id="{6E2274A4-153E-4992-BF87-268DF446F69C}"/>
               </a:ext>
             </a:extLst>
           </p:cNvPr>
@@ -9828,7 +9809,7 @@
           <p:cNvPr id="5" name="Picture 4">
             <a:extLst>
               <a:ext uri="{FF2B5EF4-FFF2-40B4-BE49-F238E27FC236}">
-                <a16:creationId xmlns:a16="http://schemas.microsoft.com/office/drawing/2014/main" xmlns="" id="{DCF05ED0-05A4-4729-A2E7-430692046373}"/>
+                <a16:creationId xmlns="" xmlns:a16="http://schemas.microsoft.com/office/drawing/2014/main" id="{DCF05ED0-05A4-4729-A2E7-430692046373}"/>
               </a:ext>
             </a:extLst>
           </p:cNvPr>
@@ -11108,7 +11089,7 @@
           <p:cNvPr id="4" name="Group 3">
             <a:extLst>
               <a:ext uri="{FF2B5EF4-FFF2-40B4-BE49-F238E27FC236}">
-                <a16:creationId xmlns:a16="http://schemas.microsoft.com/office/drawing/2014/main" xmlns="" id="{638144DE-095D-4C47-A6C5-8639AD1D8622}"/>
+                <a16:creationId xmlns="" xmlns:a16="http://schemas.microsoft.com/office/drawing/2014/main" id="{638144DE-095D-4C47-A6C5-8639AD1D8622}"/>
               </a:ext>
             </a:extLst>
           </p:cNvPr>
@@ -11128,7 +11109,7 @@
             <p:cNvPr id="5" name="Picture 4">
               <a:extLst>
                 <a:ext uri="{FF2B5EF4-FFF2-40B4-BE49-F238E27FC236}">
-                  <a16:creationId xmlns:a16="http://schemas.microsoft.com/office/drawing/2014/main" xmlns="" id="{CD0B51EB-7C46-473C-ABAB-F960A9B9C4E0}"/>
+                  <a16:creationId xmlns="" xmlns:a16="http://schemas.microsoft.com/office/drawing/2014/main" id="{CD0B51EB-7C46-473C-ABAB-F960A9B9C4E0}"/>
                 </a:ext>
               </a:extLst>
             </p:cNvPr>
@@ -11163,7 +11144,7 @@
             <p:cNvPr id="6" name="Rectangle 5">
               <a:extLst>
                 <a:ext uri="{FF2B5EF4-FFF2-40B4-BE49-F238E27FC236}">
-                  <a16:creationId xmlns:a16="http://schemas.microsoft.com/office/drawing/2014/main" xmlns="" id="{66256D39-A64A-49D1-AD68-0DB6663CFF79}"/>
+                  <a16:creationId xmlns="" xmlns:a16="http://schemas.microsoft.com/office/drawing/2014/main" id="{66256D39-A64A-49D1-AD68-0DB6663CFF79}"/>
                 </a:ext>
               </a:extLst>
             </p:cNvPr>
@@ -11551,7 +11532,7 @@
           <p:cNvPr id="9" name="Picture 8" descr="Machines 10 01226 g001">
             <a:extLst>
               <a:ext uri="{FF2B5EF4-FFF2-40B4-BE49-F238E27FC236}">
-                <a16:creationId xmlns:a16="http://schemas.microsoft.com/office/drawing/2014/main" xmlns="" id="{1DDE5A78-40BD-A886-BA34-5713E15998E7}"/>
+                <a16:creationId xmlns="" xmlns:a16="http://schemas.microsoft.com/office/drawing/2014/main" id="{1DDE5A78-40BD-A886-BA34-5713E15998E7}"/>
               </a:ext>
             </a:extLst>
           </p:cNvPr>
@@ -12631,7 +12612,7 @@
           <p:cNvPr id="9" name="Picture 8" descr="Machines 10 01226 g001">
             <a:extLst>
               <a:ext uri="{FF2B5EF4-FFF2-40B4-BE49-F238E27FC236}">
-                <a16:creationId xmlns:a16="http://schemas.microsoft.com/office/drawing/2014/main" xmlns="" id="{1DDE5A78-40BD-A886-BA34-5713E15998E7}"/>
+                <a16:creationId xmlns="" xmlns:a16="http://schemas.microsoft.com/office/drawing/2014/main" id="{1DDE5A78-40BD-A886-BA34-5713E15998E7}"/>
               </a:ext>
             </a:extLst>
           </p:cNvPr>
@@ -12744,7 +12725,7 @@
           <p:cNvPr id="9" name="object 2">
             <a:extLst>
               <a:ext uri="{FF2B5EF4-FFF2-40B4-BE49-F238E27FC236}">
-                <a16:creationId xmlns:a16="http://schemas.microsoft.com/office/drawing/2014/main" xmlns="" id="{2FDADD92-4E39-7713-520E-D88B1D53A255}"/>
+                <a16:creationId xmlns="" xmlns:a16="http://schemas.microsoft.com/office/drawing/2014/main" id="{2FDADD92-4E39-7713-520E-D88B1D53A255}"/>
               </a:ext>
             </a:extLst>
           </p:cNvPr>
@@ -12821,7 +12802,7 @@
           <p:cNvPr id="2" name="TextBox 1">
             <a:extLst>
               <a:ext uri="{FF2B5EF4-FFF2-40B4-BE49-F238E27FC236}">
-                <a16:creationId xmlns:a16="http://schemas.microsoft.com/office/drawing/2014/main" xmlns="" id="{F7017FD2-25A0-9400-E6ED-C4426A0FA9C5}"/>
+                <a16:creationId xmlns="" xmlns:a16="http://schemas.microsoft.com/office/drawing/2014/main" id="{F7017FD2-25A0-9400-E6ED-C4426A0FA9C5}"/>
               </a:ext>
             </a:extLst>
           </p:cNvPr>
@@ -13150,7 +13131,7 @@
           <p:cNvPr id="2" name="TextBox 1">
             <a:extLst>
               <a:ext uri="{FF2B5EF4-FFF2-40B4-BE49-F238E27FC236}">
-                <a16:creationId xmlns:a16="http://schemas.microsoft.com/office/drawing/2014/main" xmlns="" id="{F7017FD2-25A0-9400-E6ED-C4426A0FA9C5}"/>
+                <a16:creationId xmlns="" xmlns:a16="http://schemas.microsoft.com/office/drawing/2014/main" id="{F7017FD2-25A0-9400-E6ED-C4426A0FA9C5}"/>
               </a:ext>
             </a:extLst>
           </p:cNvPr>
@@ -13388,7 +13369,7 @@
           <p:cNvPr id="4" name="object 2">
             <a:extLst>
               <a:ext uri="{FF2B5EF4-FFF2-40B4-BE49-F238E27FC236}">
-                <a16:creationId xmlns:a16="http://schemas.microsoft.com/office/drawing/2014/main" xmlns="" id="{F7F3F320-036D-B9A8-2FBD-356093B69526}"/>
+                <a16:creationId xmlns="" xmlns:a16="http://schemas.microsoft.com/office/drawing/2014/main" id="{F7F3F320-036D-B9A8-2FBD-356093B69526}"/>
               </a:ext>
             </a:extLst>
           </p:cNvPr>
@@ -13506,7 +13487,7 @@
           <p:cNvPr id="5" name="Picture 4" descr="Energies | Free Full-Text | An Improved Gated Recurrent Unit Network Model  for State-of-Charge Estimation of Lithium-Ion Battery">
             <a:extLst>
               <a:ext uri="{FF2B5EF4-FFF2-40B4-BE49-F238E27FC236}">
-                <a16:creationId xmlns:a16="http://schemas.microsoft.com/office/drawing/2014/main" xmlns="" id="{BD33ADD0-38FA-E4D2-34E5-52CAD71FD992}"/>
+                <a16:creationId xmlns="" xmlns:a16="http://schemas.microsoft.com/office/drawing/2014/main" id="{BD33ADD0-38FA-E4D2-34E5-52CAD71FD992}"/>
               </a:ext>
             </a:extLst>
           </p:cNvPr>
@@ -13536,7 +13517,7 @@
           <p:cNvPr id="2" name="object 2">
             <a:extLst>
               <a:ext uri="{FF2B5EF4-FFF2-40B4-BE49-F238E27FC236}">
-                <a16:creationId xmlns:a16="http://schemas.microsoft.com/office/drawing/2014/main" xmlns="" id="{5C219E5E-FBF7-0521-EB54-85532BCE53EC}"/>
+                <a16:creationId xmlns="" xmlns:a16="http://schemas.microsoft.com/office/drawing/2014/main" id="{5C219E5E-FBF7-0521-EB54-85532BCE53EC}"/>
               </a:ext>
             </a:extLst>
           </p:cNvPr>
@@ -16589,14 +16570,6 @@
 </file>
 
 <file path=customXml/item1.xml><?xml version="1.0" encoding="utf-8"?>
-<p:properties xmlns:p="http://schemas.microsoft.com/office/2006/metadata/properties" xmlns:xsi="http://www.w3.org/2001/XMLSchema-instance" xmlns:pc="http://schemas.microsoft.com/office/infopath/2007/PartnerControls">
-  <documentManagement>
-    <MediaServiceKeyPoints xmlns="71af3243-3dd4-4a8d-8c0d-dd76da1f02a5" xsi:nil="true"/>
-  </documentManagement>
-</p:properties>
-</file>
-
-<file path=customXml/item2.xml><?xml version="1.0" encoding="utf-8"?>
 <?mso-contentType ?>
 <FormTemplates xmlns="http://schemas.microsoft.com/sharepoint/v3/contenttype/forms">
   <Display>DocumentLibraryForm</Display>
@@ -16605,7 +16578,7 @@
 </FormTemplates>
 </file>
 
-<file path=customXml/item3.xml><?xml version="1.0" encoding="utf-8"?>
+<file path=customXml/item2.xml><?xml version="1.0" encoding="utf-8"?>
 <ct:contentTypeSchema xmlns:ct="http://schemas.microsoft.com/office/2006/metadata/contentType" xmlns:ma="http://schemas.microsoft.com/office/2006/metadata/properties/metaAttributes" ct:_="" ma:_="" ma:contentTypeName="Document" ma:contentTypeID="0x01010079F111ED35F8CC479449609E8A0923A6" ma:contentTypeVersion="11" ma:contentTypeDescription="Create a new document." ma:contentTypeScope="" ma:versionID="9677210f24a1be23c92c90fd886aa0aa">
   <xsd:schema xmlns:xsd="http://www.w3.org/2001/XMLSchema" xmlns:xs="http://www.w3.org/2001/XMLSchema" xmlns:p="http://schemas.microsoft.com/office/2006/metadata/properties" xmlns:ns2="71af3243-3dd4-4a8d-8c0d-dd76da1f02a5" xmlns:ns3="16c05727-aa75-4e4a-9b5f-8a80a1165891" targetNamespace="http://schemas.microsoft.com/office/2006/metadata/properties" ma:root="true" ma:fieldsID="60e05723c5c1908df1a1a4ebf11d344e" ns2:_="" ns3:_="">
     <xsd:import namespace="71af3243-3dd4-4a8d-8c0d-dd76da1f02a5"/>
@@ -16816,24 +16789,15 @@
 </ct:contentTypeSchema>
 </file>
 
-<file path=customXml/itemProps1.xml><?xml version="1.0" encoding="utf-8"?>
-<ds:datastoreItem xmlns:ds="http://schemas.openxmlformats.org/officeDocument/2006/customXml" ds:itemID="{788A2F88-55C5-4ED1-9541-807C65424763}">
-  <ds:schemaRefs>
-    <ds:schemaRef ds:uri="http://purl.org/dc/elements/1.1/"/>
-    <ds:schemaRef ds:uri="http://schemas.microsoft.com/office/2006/metadata/properties"/>
-    <ds:schemaRef ds:uri="http://schemas.microsoft.com/office/2006/documentManagement/types"/>
-    <ds:schemaRef ds:uri="http://purl.org/dc/terms/"/>
-    <ds:schemaRef ds:uri="http://schemas.openxmlformats.org/package/2006/metadata/core-properties"/>
-    <ds:schemaRef ds:uri="16c05727-aa75-4e4a-9b5f-8a80a1165891"/>
-    <ds:schemaRef ds:uri="http://purl.org/dc/dcmitype/"/>
-    <ds:schemaRef ds:uri="http://schemas.microsoft.com/office/infopath/2007/PartnerControls"/>
-    <ds:schemaRef ds:uri="71af3243-3dd4-4a8d-8c0d-dd76da1f02a5"/>
-    <ds:schemaRef ds:uri="http://www.w3.org/XML/1998/namespace"/>
-  </ds:schemaRefs>
-</ds:datastoreItem>
+<file path=customXml/item3.xml><?xml version="1.0" encoding="utf-8"?>
+<p:properties xmlns:p="http://schemas.microsoft.com/office/2006/metadata/properties" xmlns:xsi="http://www.w3.org/2001/XMLSchema-instance" xmlns:pc="http://schemas.microsoft.com/office/infopath/2007/PartnerControls">
+  <documentManagement>
+    <MediaServiceKeyPoints xmlns="71af3243-3dd4-4a8d-8c0d-dd76da1f02a5" xsi:nil="true"/>
+  </documentManagement>
+</p:properties>
 </file>
 
-<file path=customXml/itemProps2.xml><?xml version="1.0" encoding="utf-8"?>
+<file path=customXml/itemProps1.xml><?xml version="1.0" encoding="utf-8"?>
 <ds:datastoreItem xmlns:ds="http://schemas.openxmlformats.org/officeDocument/2006/customXml" ds:itemID="{4F44C90D-2A62-4985-9618-3460247437B1}">
   <ds:schemaRefs>
     <ds:schemaRef ds:uri="http://schemas.microsoft.com/sharepoint/v3/contenttype/forms"/>
@@ -16841,7 +16805,7 @@
 </ds:datastoreItem>
 </file>
 
-<file path=customXml/itemProps3.xml><?xml version="1.0" encoding="utf-8"?>
+<file path=customXml/itemProps2.xml><?xml version="1.0" encoding="utf-8"?>
 <ds:datastoreItem xmlns:ds="http://schemas.openxmlformats.org/officeDocument/2006/customXml" ds:itemID="{B61EAB5F-88FC-4FAE-AE3C-037A3C365EB8}">
   <ds:schemaRefs>
     <ds:schemaRef ds:uri="http://schemas.microsoft.com/office/2006/metadata/contentType"/>
@@ -16858,4 +16822,21 @@
     <ds:schemaRef ds:uri="http://schemas.microsoft.com/internal/obd"/>
   </ds:schemaRefs>
 </ds:datastoreItem>
+</file>
+
+<file path=customXml/itemProps3.xml><?xml version="1.0" encoding="utf-8"?>
+<ds:datastoreItem xmlns:ds="http://schemas.openxmlformats.org/officeDocument/2006/customXml" ds:itemID="{788A2F88-55C5-4ED1-9541-807C65424763}">
+  <ds:schemaRefs>
+    <ds:schemaRef ds:uri="http://purl.org/dc/elements/1.1/"/>
+    <ds:schemaRef ds:uri="http://schemas.microsoft.com/office/2006/metadata/properties"/>
+    <ds:schemaRef ds:uri="http://schemas.microsoft.com/office/2006/documentManagement/types"/>
+    <ds:schemaRef ds:uri="http://purl.org/dc/terms/"/>
+    <ds:schemaRef ds:uri="http://schemas.openxmlformats.org/package/2006/metadata/core-properties"/>
+    <ds:schemaRef ds:uri="16c05727-aa75-4e4a-9b5f-8a80a1165891"/>
+    <ds:schemaRef ds:uri="http://purl.org/dc/dcmitype/"/>
+    <ds:schemaRef ds:uri="http://schemas.microsoft.com/office/infopath/2007/PartnerControls"/>
+    <ds:schemaRef ds:uri="71af3243-3dd4-4a8d-8c0d-dd76da1f02a5"/>
+    <ds:schemaRef ds:uri="http://www.w3.org/XML/1998/namespace"/>
+  </ds:schemaRefs>
+</ds:datastoreItem>
 </file>